--- a/Lập trình Web( Gà lại lập trình).pptx
+++ b/Lập trình Web( Gà lại lập trình).pptx
@@ -5,16 +5,17 @@
     <p:sldMasterId id="2147483648" r:id="rId1"/>
   </p:sldMasterIdLst>
   <p:sldIdLst>
-    <p:sldId id="256" r:id="rId2"/>
-    <p:sldId id="257" r:id="rId3"/>
-    <p:sldId id="264" r:id="rId4"/>
-    <p:sldId id="265" r:id="rId5"/>
-    <p:sldId id="258" r:id="rId6"/>
-    <p:sldId id="259" r:id="rId7"/>
-    <p:sldId id="260" r:id="rId8"/>
-    <p:sldId id="261" r:id="rId9"/>
-    <p:sldId id="262" r:id="rId10"/>
-    <p:sldId id="263" r:id="rId11"/>
+    <p:sldId id="266" r:id="rId2"/>
+    <p:sldId id="256" r:id="rId3"/>
+    <p:sldId id="257" r:id="rId4"/>
+    <p:sldId id="264" r:id="rId5"/>
+    <p:sldId id="265" r:id="rId6"/>
+    <p:sldId id="258" r:id="rId7"/>
+    <p:sldId id="259" r:id="rId8"/>
+    <p:sldId id="260" r:id="rId9"/>
+    <p:sldId id="261" r:id="rId10"/>
+    <p:sldId id="262" r:id="rId11"/>
+    <p:sldId id="263" r:id="rId12"/>
   </p:sldIdLst>
   <p:sldSz cx="12192000" cy="6858000"/>
   <p:notesSz cx="6858000" cy="9144000"/>
@@ -268,7 +269,7 @@
           <a:p>
             <a:fld id="{2B144A0F-F96A-4998-8A88-65E85C459927}" type="datetimeFigureOut">
               <a:rPr lang="en-US" smtClean="0"/>
-              <a:t>02/11/2024</a:t>
+              <a:t>03/11/2024</a:t>
             </a:fld>
             <a:endParaRPr lang="en-US"/>
           </a:p>
@@ -466,7 +467,7 @@
           <a:p>
             <a:fld id="{2B144A0F-F96A-4998-8A88-65E85C459927}" type="datetimeFigureOut">
               <a:rPr lang="en-US" smtClean="0"/>
-              <a:t>02/11/2024</a:t>
+              <a:t>03/11/2024</a:t>
             </a:fld>
             <a:endParaRPr lang="en-US"/>
           </a:p>
@@ -674,7 +675,7 @@
           <a:p>
             <a:fld id="{2B144A0F-F96A-4998-8A88-65E85C459927}" type="datetimeFigureOut">
               <a:rPr lang="en-US" smtClean="0"/>
-              <a:t>02/11/2024</a:t>
+              <a:t>03/11/2024</a:t>
             </a:fld>
             <a:endParaRPr lang="en-US"/>
           </a:p>
@@ -872,7 +873,7 @@
           <a:p>
             <a:fld id="{2B144A0F-F96A-4998-8A88-65E85C459927}" type="datetimeFigureOut">
               <a:rPr lang="en-US" smtClean="0"/>
-              <a:t>02/11/2024</a:t>
+              <a:t>03/11/2024</a:t>
             </a:fld>
             <a:endParaRPr lang="en-US"/>
           </a:p>
@@ -1147,7 +1148,7 @@
           <a:p>
             <a:fld id="{2B144A0F-F96A-4998-8A88-65E85C459927}" type="datetimeFigureOut">
               <a:rPr lang="en-US" smtClean="0"/>
-              <a:t>02/11/2024</a:t>
+              <a:t>03/11/2024</a:t>
             </a:fld>
             <a:endParaRPr lang="en-US"/>
           </a:p>
@@ -1412,7 +1413,7 @@
           <a:p>
             <a:fld id="{2B144A0F-F96A-4998-8A88-65E85C459927}" type="datetimeFigureOut">
               <a:rPr lang="en-US" smtClean="0"/>
-              <a:t>02/11/2024</a:t>
+              <a:t>03/11/2024</a:t>
             </a:fld>
             <a:endParaRPr lang="en-US"/>
           </a:p>
@@ -1824,7 +1825,7 @@
           <a:p>
             <a:fld id="{2B144A0F-F96A-4998-8A88-65E85C459927}" type="datetimeFigureOut">
               <a:rPr lang="en-US" smtClean="0"/>
-              <a:t>02/11/2024</a:t>
+              <a:t>03/11/2024</a:t>
             </a:fld>
             <a:endParaRPr lang="en-US"/>
           </a:p>
@@ -1965,7 +1966,7 @@
           <a:p>
             <a:fld id="{2B144A0F-F96A-4998-8A88-65E85C459927}" type="datetimeFigureOut">
               <a:rPr lang="en-US" smtClean="0"/>
-              <a:t>02/11/2024</a:t>
+              <a:t>03/11/2024</a:t>
             </a:fld>
             <a:endParaRPr lang="en-US"/>
           </a:p>
@@ -2078,7 +2079,7 @@
           <a:p>
             <a:fld id="{2B144A0F-F96A-4998-8A88-65E85C459927}" type="datetimeFigureOut">
               <a:rPr lang="en-US" smtClean="0"/>
-              <a:t>02/11/2024</a:t>
+              <a:t>03/11/2024</a:t>
             </a:fld>
             <a:endParaRPr lang="en-US"/>
           </a:p>
@@ -2389,7 +2390,7 @@
           <a:p>
             <a:fld id="{2B144A0F-F96A-4998-8A88-65E85C459927}" type="datetimeFigureOut">
               <a:rPr lang="en-US" smtClean="0"/>
-              <a:t>02/11/2024</a:t>
+              <a:t>03/11/2024</a:t>
             </a:fld>
             <a:endParaRPr lang="en-US"/>
           </a:p>
@@ -2677,7 +2678,7 @@
           <a:p>
             <a:fld id="{2B144A0F-F96A-4998-8A88-65E85C459927}" type="datetimeFigureOut">
               <a:rPr lang="en-US" smtClean="0"/>
-              <a:t>02/11/2024</a:t>
+              <a:t>03/11/2024</a:t>
             </a:fld>
             <a:endParaRPr lang="en-US"/>
           </a:p>
@@ -2918,7 +2919,7 @@
           <a:p>
             <a:fld id="{2B144A0F-F96A-4998-8A88-65E85C459927}" type="datetimeFigureOut">
               <a:rPr lang="en-US" smtClean="0"/>
-              <a:t>02/11/2024</a:t>
+              <a:t>03/11/2024</a:t>
             </a:fld>
             <a:endParaRPr lang="en-US"/>
           </a:p>
@@ -3337,6 +3338,260 @@
       </p:grpSpPr>
       <p:sp>
         <p:nvSpPr>
+          <p:cNvPr id="2" name="Title 1"/>
+          <p:cNvSpPr>
+            <a:spLocks noGrp="1"/>
+          </p:cNvSpPr>
+          <p:nvPr>
+            <p:ph type="title"/>
+          </p:nvPr>
+        </p:nvSpPr>
+        <p:spPr>
+          <a:xfrm>
+            <a:off x="0" y="1"/>
+            <a:ext cx="12192000" cy="800100"/>
+          </a:xfrm>
+        </p:spPr>
+        <p:txBody>
+          <a:bodyPr/>
+          <a:lstStyle/>
+          <a:p>
+            <a:r>
+              <a:rPr lang="en-US" dirty="0" smtClean="0"/>
+              <a:t>Link Video </a:t>
+            </a:r>
+            <a:r>
+              <a:rPr lang="en-US" dirty="0" err="1" smtClean="0"/>
+              <a:t>học</a:t>
+            </a:r>
+            <a:r>
+              <a:rPr lang="en-US" dirty="0" smtClean="0"/>
+              <a:t>:</a:t>
+            </a:r>
+            <a:endParaRPr lang="en-US" dirty="0"/>
+          </a:p>
+        </p:txBody>
+      </p:sp>
+      <p:sp>
+        <p:nvSpPr>
+          <p:cNvPr id="3" name="Content Placeholder 2"/>
+          <p:cNvSpPr>
+            <a:spLocks noGrp="1"/>
+          </p:cNvSpPr>
+          <p:nvPr>
+            <p:ph idx="1"/>
+          </p:nvPr>
+        </p:nvSpPr>
+        <p:spPr>
+          <a:xfrm>
+            <a:off x="0" y="1336431"/>
+            <a:ext cx="12192000" cy="5521568"/>
+          </a:xfrm>
+        </p:spPr>
+        <p:txBody>
+          <a:bodyPr/>
+          <a:lstStyle/>
+          <a:p>
+            <a:r>
+              <a:rPr lang="en-US" dirty="0"/>
+              <a:t>https://www.youtube.com/watch?v=bD7Kl__Kfvo&amp;t=173s</a:t>
+            </a:r>
+            <a:endParaRPr lang="en-US" dirty="0"/>
+          </a:p>
+        </p:txBody>
+      </p:sp>
+    </p:spTree>
+    <p:extLst>
+      <p:ext uri="{BB962C8B-B14F-4D97-AF65-F5344CB8AC3E}">
+        <p14:creationId xmlns:p14="http://schemas.microsoft.com/office/powerpoint/2010/main" val="3802764647"/>
+      </p:ext>
+    </p:extLst>
+  </p:cSld>
+  <p:clrMapOvr>
+    <a:masterClrMapping/>
+  </p:clrMapOvr>
+</p:sld>
+</file>
+
+<file path=ppt/slides/slide10.xml><?xml version="1.0" encoding="utf-8"?>
+<p:sld xmlns:a="http://schemas.openxmlformats.org/drawingml/2006/main" xmlns:r="http://schemas.openxmlformats.org/officeDocument/2006/relationships" xmlns:p="http://schemas.openxmlformats.org/presentationml/2006/main">
+  <p:cSld>
+    <p:spTree>
+      <p:nvGrpSpPr>
+        <p:cNvPr id="1" name=""/>
+        <p:cNvGrpSpPr/>
+        <p:nvPr/>
+      </p:nvGrpSpPr>
+      <p:grpSpPr>
+        <a:xfrm>
+          <a:off x="0" y="0"/>
+          <a:ext cx="0" cy="0"/>
+          <a:chOff x="0" y="0"/>
+          <a:chExt cx="0" cy="0"/>
+        </a:xfrm>
+      </p:grpSpPr>
+      <p:sp>
+        <p:nvSpPr>
+          <p:cNvPr id="2" name="Title 1">
+            <a:extLst>
+              <a:ext uri="{FF2B5EF4-FFF2-40B4-BE49-F238E27FC236}">
+                <a16:creationId xmlns:a16="http://schemas.microsoft.com/office/drawing/2014/main" id="{3DD2BA54-4112-4914-BF7F-E81083AC638D}"/>
+              </a:ext>
+            </a:extLst>
+          </p:cNvPr>
+          <p:cNvSpPr>
+            <a:spLocks noGrp="1"/>
+          </p:cNvSpPr>
+          <p:nvPr>
+            <p:ph type="title"/>
+          </p:nvPr>
+        </p:nvSpPr>
+        <p:spPr/>
+        <p:txBody>
+          <a:bodyPr/>
+          <a:lstStyle/>
+          <a:p>
+            <a:endParaRPr lang="en-US"/>
+          </a:p>
+        </p:txBody>
+      </p:sp>
+      <p:sp>
+        <p:nvSpPr>
+          <p:cNvPr id="3" name="Content Placeholder 2">
+            <a:extLst>
+              <a:ext uri="{FF2B5EF4-FFF2-40B4-BE49-F238E27FC236}">
+                <a16:creationId xmlns:a16="http://schemas.microsoft.com/office/drawing/2014/main" id="{A5F4F61A-244E-428B-8CF8-E55B30062E4F}"/>
+              </a:ext>
+            </a:extLst>
+          </p:cNvPr>
+          <p:cNvSpPr>
+            <a:spLocks noGrp="1"/>
+          </p:cNvSpPr>
+          <p:nvPr>
+            <p:ph idx="1"/>
+          </p:nvPr>
+        </p:nvSpPr>
+        <p:spPr/>
+        <p:txBody>
+          <a:bodyPr/>
+          <a:lstStyle/>
+          <a:p>
+            <a:endParaRPr lang="en-US"/>
+          </a:p>
+        </p:txBody>
+      </p:sp>
+    </p:spTree>
+    <p:extLst>
+      <p:ext uri="{BB962C8B-B14F-4D97-AF65-F5344CB8AC3E}">
+        <p14:creationId xmlns:p14="http://schemas.microsoft.com/office/powerpoint/2010/main" val="1313020762"/>
+      </p:ext>
+    </p:extLst>
+  </p:cSld>
+  <p:clrMapOvr>
+    <a:masterClrMapping/>
+  </p:clrMapOvr>
+</p:sld>
+</file>
+
+<file path=ppt/slides/slide11.xml><?xml version="1.0" encoding="utf-8"?>
+<p:sld xmlns:a="http://schemas.openxmlformats.org/drawingml/2006/main" xmlns:r="http://schemas.openxmlformats.org/officeDocument/2006/relationships" xmlns:p="http://schemas.openxmlformats.org/presentationml/2006/main">
+  <p:cSld>
+    <p:spTree>
+      <p:nvGrpSpPr>
+        <p:cNvPr id="1" name=""/>
+        <p:cNvGrpSpPr/>
+        <p:nvPr/>
+      </p:nvGrpSpPr>
+      <p:grpSpPr>
+        <a:xfrm>
+          <a:off x="0" y="0"/>
+          <a:ext cx="0" cy="0"/>
+          <a:chOff x="0" y="0"/>
+          <a:chExt cx="0" cy="0"/>
+        </a:xfrm>
+      </p:grpSpPr>
+      <p:sp>
+        <p:nvSpPr>
+          <p:cNvPr id="2" name="Title 1">
+            <a:extLst>
+              <a:ext uri="{FF2B5EF4-FFF2-40B4-BE49-F238E27FC236}">
+                <a16:creationId xmlns:a16="http://schemas.microsoft.com/office/drawing/2014/main" id="{B2EC1920-754F-4398-B113-6AAFB510144F}"/>
+              </a:ext>
+            </a:extLst>
+          </p:cNvPr>
+          <p:cNvSpPr>
+            <a:spLocks noGrp="1"/>
+          </p:cNvSpPr>
+          <p:nvPr>
+            <p:ph type="title"/>
+          </p:nvPr>
+        </p:nvSpPr>
+        <p:spPr/>
+        <p:txBody>
+          <a:bodyPr/>
+          <a:lstStyle/>
+          <a:p>
+            <a:endParaRPr lang="en-US"/>
+          </a:p>
+        </p:txBody>
+      </p:sp>
+      <p:sp>
+        <p:nvSpPr>
+          <p:cNvPr id="3" name="Content Placeholder 2">
+            <a:extLst>
+              <a:ext uri="{FF2B5EF4-FFF2-40B4-BE49-F238E27FC236}">
+                <a16:creationId xmlns:a16="http://schemas.microsoft.com/office/drawing/2014/main" id="{ABE87090-CC00-4C78-BECC-2B5CBFAE8BD8}"/>
+              </a:ext>
+            </a:extLst>
+          </p:cNvPr>
+          <p:cNvSpPr>
+            <a:spLocks noGrp="1"/>
+          </p:cNvSpPr>
+          <p:nvPr>
+            <p:ph idx="1"/>
+          </p:nvPr>
+        </p:nvSpPr>
+        <p:spPr/>
+        <p:txBody>
+          <a:bodyPr/>
+          <a:lstStyle/>
+          <a:p>
+            <a:endParaRPr lang="en-US"/>
+          </a:p>
+        </p:txBody>
+      </p:sp>
+    </p:spTree>
+    <p:extLst>
+      <p:ext uri="{BB962C8B-B14F-4D97-AF65-F5344CB8AC3E}">
+        <p14:creationId xmlns:p14="http://schemas.microsoft.com/office/powerpoint/2010/main" val="2840091284"/>
+      </p:ext>
+    </p:extLst>
+  </p:cSld>
+  <p:clrMapOvr>
+    <a:masterClrMapping/>
+  </p:clrMapOvr>
+</p:sld>
+</file>
+
+<file path=ppt/slides/slide2.xml><?xml version="1.0" encoding="utf-8"?>
+<p:sld xmlns:a="http://schemas.openxmlformats.org/drawingml/2006/main" xmlns:r="http://schemas.openxmlformats.org/officeDocument/2006/relationships" xmlns:p="http://schemas.openxmlformats.org/presentationml/2006/main">
+  <p:cSld>
+    <p:spTree>
+      <p:nvGrpSpPr>
+        <p:cNvPr id="1" name=""/>
+        <p:cNvGrpSpPr/>
+        <p:nvPr/>
+      </p:nvGrpSpPr>
+      <p:grpSpPr>
+        <a:xfrm>
+          <a:off x="0" y="0"/>
+          <a:ext cx="0" cy="0"/>
+          <a:chOff x="0" y="0"/>
+          <a:chExt cx="0" cy="0"/>
+        </a:xfrm>
+      </p:grpSpPr>
+      <p:sp>
+        <p:nvSpPr>
           <p:cNvPr id="2" name="Title 1">
             <a:extLst>
               <a:ext uri="{FF2B5EF4-FFF2-40B4-BE49-F238E27FC236}">
@@ -3433,87 +3688,7 @@
 </p:sld>
 </file>
 
-<file path=ppt/slides/slide10.xml><?xml version="1.0" encoding="utf-8"?>
-<p:sld xmlns:a="http://schemas.openxmlformats.org/drawingml/2006/main" xmlns:r="http://schemas.openxmlformats.org/officeDocument/2006/relationships" xmlns:p="http://schemas.openxmlformats.org/presentationml/2006/main">
-  <p:cSld>
-    <p:spTree>
-      <p:nvGrpSpPr>
-        <p:cNvPr id="1" name=""/>
-        <p:cNvGrpSpPr/>
-        <p:nvPr/>
-      </p:nvGrpSpPr>
-      <p:grpSpPr>
-        <a:xfrm>
-          <a:off x="0" y="0"/>
-          <a:ext cx="0" cy="0"/>
-          <a:chOff x="0" y="0"/>
-          <a:chExt cx="0" cy="0"/>
-        </a:xfrm>
-      </p:grpSpPr>
-      <p:sp>
-        <p:nvSpPr>
-          <p:cNvPr id="2" name="Title 1">
-            <a:extLst>
-              <a:ext uri="{FF2B5EF4-FFF2-40B4-BE49-F238E27FC236}">
-                <a16:creationId xmlns:a16="http://schemas.microsoft.com/office/drawing/2014/main" id="{B2EC1920-754F-4398-B113-6AAFB510144F}"/>
-              </a:ext>
-            </a:extLst>
-          </p:cNvPr>
-          <p:cNvSpPr>
-            <a:spLocks noGrp="1"/>
-          </p:cNvSpPr>
-          <p:nvPr>
-            <p:ph type="title"/>
-          </p:nvPr>
-        </p:nvSpPr>
-        <p:spPr/>
-        <p:txBody>
-          <a:bodyPr/>
-          <a:lstStyle/>
-          <a:p>
-            <a:endParaRPr lang="en-US"/>
-          </a:p>
-        </p:txBody>
-      </p:sp>
-      <p:sp>
-        <p:nvSpPr>
-          <p:cNvPr id="3" name="Content Placeholder 2">
-            <a:extLst>
-              <a:ext uri="{FF2B5EF4-FFF2-40B4-BE49-F238E27FC236}">
-                <a16:creationId xmlns:a16="http://schemas.microsoft.com/office/drawing/2014/main" id="{ABE87090-CC00-4C78-BECC-2B5CBFAE8BD8}"/>
-              </a:ext>
-            </a:extLst>
-          </p:cNvPr>
-          <p:cNvSpPr>
-            <a:spLocks noGrp="1"/>
-          </p:cNvSpPr>
-          <p:nvPr>
-            <p:ph idx="1"/>
-          </p:nvPr>
-        </p:nvSpPr>
-        <p:spPr/>
-        <p:txBody>
-          <a:bodyPr/>
-          <a:lstStyle/>
-          <a:p>
-            <a:endParaRPr lang="en-US"/>
-          </a:p>
-        </p:txBody>
-      </p:sp>
-    </p:spTree>
-    <p:extLst>
-      <p:ext uri="{BB962C8B-B14F-4D97-AF65-F5344CB8AC3E}">
-        <p14:creationId xmlns:p14="http://schemas.microsoft.com/office/powerpoint/2010/main" val="2840091284"/>
-      </p:ext>
-    </p:extLst>
-  </p:cSld>
-  <p:clrMapOvr>
-    <a:masterClrMapping/>
-  </p:clrMapOvr>
-</p:sld>
-</file>
-
-<file path=ppt/slides/slide2.xml><?xml version="1.0" encoding="utf-8"?>
+<file path=ppt/slides/slide3.xml><?xml version="1.0" encoding="utf-8"?>
 <p:sld xmlns:a="http://schemas.openxmlformats.org/drawingml/2006/main" xmlns:r="http://schemas.openxmlformats.org/officeDocument/2006/relationships" xmlns:p="http://schemas.openxmlformats.org/presentationml/2006/main">
   <p:cSld>
     <p:spTree>
@@ -3623,89 +3798,6 @@
 </p:sld>
 </file>
 
-<file path=ppt/slides/slide3.xml><?xml version="1.0" encoding="utf-8"?>
-<p:sld xmlns:a="http://schemas.openxmlformats.org/drawingml/2006/main" xmlns:r="http://schemas.openxmlformats.org/officeDocument/2006/relationships" xmlns:p="http://schemas.openxmlformats.org/presentationml/2006/main">
-  <p:cSld>
-    <p:spTree>
-      <p:nvGrpSpPr>
-        <p:cNvPr id="1" name=""/>
-        <p:cNvGrpSpPr/>
-        <p:nvPr/>
-      </p:nvGrpSpPr>
-      <p:grpSpPr>
-        <a:xfrm>
-          <a:off x="0" y="0"/>
-          <a:ext cx="0" cy="0"/>
-          <a:chOff x="0" y="0"/>
-          <a:chExt cx="0" cy="0"/>
-        </a:xfrm>
-      </p:grpSpPr>
-      <p:sp>
-        <p:nvSpPr>
-          <p:cNvPr id="2" name="Title 1">
-            <a:extLst>
-              <a:ext uri="{FF2B5EF4-FFF2-40B4-BE49-F238E27FC236}">
-                <a16:creationId xmlns:a16="http://schemas.microsoft.com/office/drawing/2014/main" id="{08042B60-D97F-4398-BBD1-17B5B24983D3}"/>
-              </a:ext>
-            </a:extLst>
-          </p:cNvPr>
-          <p:cNvSpPr>
-            <a:spLocks noGrp="1"/>
-          </p:cNvSpPr>
-          <p:nvPr>
-            <p:ph type="title"/>
-          </p:nvPr>
-        </p:nvSpPr>
-        <p:spPr/>
-        <p:txBody>
-          <a:bodyPr/>
-          <a:lstStyle/>
-          <a:p>
-            <a:endParaRPr lang="en-US"/>
-          </a:p>
-        </p:txBody>
-      </p:sp>
-      <p:sp>
-        <p:nvSpPr>
-          <p:cNvPr id="3" name="Content Placeholder 2">
-            <a:extLst>
-              <a:ext uri="{FF2B5EF4-FFF2-40B4-BE49-F238E27FC236}">
-                <a16:creationId xmlns:a16="http://schemas.microsoft.com/office/drawing/2014/main" id="{9DF4A95D-C527-4D6F-AD76-A7817C780176}"/>
-              </a:ext>
-            </a:extLst>
-          </p:cNvPr>
-          <p:cNvSpPr>
-            <a:spLocks noGrp="1"/>
-          </p:cNvSpPr>
-          <p:nvPr>
-            <p:ph idx="1"/>
-          </p:nvPr>
-        </p:nvSpPr>
-        <p:spPr/>
-        <p:txBody>
-          <a:bodyPr/>
-          <a:lstStyle/>
-          <a:p>
-            <a:r>
-              <a:rPr lang="en-US"/>
-              <a:t>Vào trong html, code Form để thay đổi nút</a:t>
-            </a:r>
-          </a:p>
-        </p:txBody>
-      </p:sp>
-    </p:spTree>
-    <p:extLst>
-      <p:ext uri="{BB962C8B-B14F-4D97-AF65-F5344CB8AC3E}">
-        <p14:creationId xmlns:p14="http://schemas.microsoft.com/office/powerpoint/2010/main" val="2842705564"/>
-      </p:ext>
-    </p:extLst>
-  </p:cSld>
-  <p:clrMapOvr>
-    <a:masterClrMapping/>
-  </p:clrMapOvr>
-</p:sld>
-</file>
-
 <file path=ppt/slides/slide4.xml><?xml version="1.0" encoding="utf-8"?>
 <p:sld xmlns:a="http://schemas.openxmlformats.org/drawingml/2006/main" xmlns:r="http://schemas.openxmlformats.org/officeDocument/2006/relationships" xmlns:p="http://schemas.openxmlformats.org/presentationml/2006/main">
   <p:cSld>
@@ -3728,7 +3820,7 @@
           <p:cNvPr id="2" name="Title 1">
             <a:extLst>
               <a:ext uri="{FF2B5EF4-FFF2-40B4-BE49-F238E27FC236}">
-                <a16:creationId xmlns:a16="http://schemas.microsoft.com/office/drawing/2014/main" id="{3462238A-1B26-4E81-B203-B7BF4E6801EC}"/>
+                <a16:creationId xmlns:a16="http://schemas.microsoft.com/office/drawing/2014/main" id="{08042B60-D97F-4398-BBD1-17B5B24983D3}"/>
               </a:ext>
             </a:extLst>
           </p:cNvPr>
@@ -3739,12 +3831,33 @@
             <p:ph type="title"/>
           </p:nvPr>
         </p:nvSpPr>
-        <p:spPr/>
-        <p:txBody>
-          <a:bodyPr/>
-          <a:lstStyle/>
-          <a:p>
-            <a:endParaRPr lang="en-US"/>
+        <p:spPr>
+          <a:xfrm>
+            <a:off x="0" y="0"/>
+            <a:ext cx="10515600" cy="813044"/>
+          </a:xfrm>
+        </p:spPr>
+        <p:txBody>
+          <a:bodyPr/>
+          <a:lstStyle/>
+          <a:p>
+            <a:r>
+              <a:rPr lang="en-US" dirty="0" err="1" smtClean="0"/>
+              <a:t>Bài</a:t>
+            </a:r>
+            <a:r>
+              <a:rPr lang="en-US" dirty="0" smtClean="0"/>
+              <a:t> 3: </a:t>
+            </a:r>
+            <a:r>
+              <a:rPr lang="en-US" dirty="0" err="1" smtClean="0"/>
+              <a:t>SetupVisual</a:t>
+            </a:r>
+            <a:r>
+              <a:rPr lang="en-US" dirty="0" smtClean="0"/>
+              <a:t> Studio Code.</a:t>
+            </a:r>
+            <a:endParaRPr lang="en-US" dirty="0"/>
           </a:p>
         </p:txBody>
       </p:sp>
@@ -3753,7 +3866,7 @@
           <p:cNvPr id="3" name="Content Placeholder 2">
             <a:extLst>
               <a:ext uri="{FF2B5EF4-FFF2-40B4-BE49-F238E27FC236}">
-                <a16:creationId xmlns:a16="http://schemas.microsoft.com/office/drawing/2014/main" id="{CD37406B-CF2B-4039-B7AE-E3A8B562EA42}"/>
+                <a16:creationId xmlns:a16="http://schemas.microsoft.com/office/drawing/2014/main" id="{9DF4A95D-C527-4D6F-AD76-A7817C780176}"/>
               </a:ext>
             </a:extLst>
           </p:cNvPr>
@@ -3764,19 +3877,312 @@
             <p:ph idx="1"/>
           </p:nvPr>
         </p:nvSpPr>
-        <p:spPr/>
-        <p:txBody>
-          <a:bodyPr/>
-          <a:lstStyle/>
-          <a:p>
-            <a:endParaRPr lang="en-US"/>
+        <p:spPr>
+          <a:xfrm>
+            <a:off x="0" y="813044"/>
+            <a:ext cx="11353800" cy="636221"/>
+          </a:xfrm>
+        </p:spPr>
+        <p:txBody>
+          <a:bodyPr/>
+          <a:lstStyle/>
+          <a:p>
+            <a:r>
+              <a:rPr lang="en-US" dirty="0" err="1"/>
+              <a:t>Vào</a:t>
+            </a:r>
+            <a:r>
+              <a:rPr lang="en-US" dirty="0"/>
+              <a:t> </a:t>
+            </a:r>
+            <a:r>
+              <a:rPr lang="en-US" dirty="0" err="1"/>
+              <a:t>trong</a:t>
+            </a:r>
+            <a:r>
+              <a:rPr lang="en-US" dirty="0"/>
+              <a:t> html, code Form </a:t>
+            </a:r>
+            <a:r>
+              <a:rPr lang="en-US" dirty="0" err="1"/>
+              <a:t>để</a:t>
+            </a:r>
+            <a:r>
+              <a:rPr lang="en-US" dirty="0"/>
+              <a:t> </a:t>
+            </a:r>
+            <a:r>
+              <a:rPr lang="en-US" dirty="0" err="1"/>
+              <a:t>thay</a:t>
+            </a:r>
+            <a:r>
+              <a:rPr lang="en-US" dirty="0"/>
+              <a:t> </a:t>
+            </a:r>
+            <a:r>
+              <a:rPr lang="en-US" dirty="0" err="1"/>
+              <a:t>đổi</a:t>
+            </a:r>
+            <a:r>
+              <a:rPr lang="en-US" dirty="0"/>
+              <a:t> </a:t>
+            </a:r>
+            <a:r>
+              <a:rPr lang="en-US" dirty="0" err="1"/>
+              <a:t>nút</a:t>
+            </a:r>
+            <a:endParaRPr lang="en-US" dirty="0"/>
+          </a:p>
+        </p:txBody>
+      </p:sp>
+      <p:sp>
+        <p:nvSpPr>
+          <p:cNvPr id="4" name="TextBox 3"/>
+          <p:cNvSpPr txBox="1"/>
+          <p:nvPr/>
+        </p:nvSpPr>
+        <p:spPr>
+          <a:xfrm>
+            <a:off x="0" y="1264599"/>
+            <a:ext cx="12192000" cy="369332"/>
+          </a:xfrm>
+          <a:prstGeom prst="rect">
+            <a:avLst/>
+          </a:prstGeom>
+          <a:noFill/>
+        </p:spPr>
+        <p:txBody>
+          <a:bodyPr wrap="square" rtlCol="0">
+            <a:spAutoFit/>
+          </a:bodyPr>
+          <a:lstStyle/>
+          <a:p>
+            <a:r>
+              <a:rPr lang="en-US" dirty="0" err="1" smtClean="0"/>
+              <a:t>Tạo</a:t>
+            </a:r>
+            <a:r>
+              <a:rPr lang="en-US" dirty="0" smtClean="0"/>
+              <a:t> </a:t>
+            </a:r>
+            <a:r>
+              <a:rPr lang="en-US" dirty="0" err="1" smtClean="0"/>
+              <a:t>ra</a:t>
+            </a:r>
+            <a:r>
+              <a:rPr lang="en-US" dirty="0" smtClean="0"/>
+              <a:t> </a:t>
+            </a:r>
+            <a:r>
+              <a:rPr lang="en-US" dirty="0" err="1" smtClean="0"/>
+              <a:t>cấu</a:t>
+            </a:r>
+            <a:r>
+              <a:rPr lang="en-US" dirty="0" smtClean="0"/>
+              <a:t> </a:t>
+            </a:r>
+            <a:r>
+              <a:rPr lang="en-US" dirty="0" err="1" smtClean="0"/>
+              <a:t>trúc</a:t>
+            </a:r>
+            <a:r>
+              <a:rPr lang="en-US" dirty="0" smtClean="0"/>
+              <a:t> </a:t>
+            </a:r>
+            <a:r>
+              <a:rPr lang="en-US" dirty="0" err="1" smtClean="0"/>
+              <a:t>tiêu</a:t>
+            </a:r>
+            <a:r>
+              <a:rPr lang="en-US" dirty="0" smtClean="0"/>
+              <a:t> </a:t>
+            </a:r>
+            <a:r>
+              <a:rPr lang="en-US" dirty="0" err="1" smtClean="0"/>
+              <a:t>chuẩn</a:t>
+            </a:r>
+            <a:r>
+              <a:rPr lang="en-US" dirty="0" smtClean="0"/>
+              <a:t> </a:t>
+            </a:r>
+            <a:r>
+              <a:rPr lang="en-US" dirty="0" err="1" smtClean="0"/>
+              <a:t>cho</a:t>
+            </a:r>
+            <a:r>
+              <a:rPr lang="en-US" dirty="0" smtClean="0"/>
+              <a:t> File HTML </a:t>
+            </a:r>
+            <a:r>
+              <a:rPr lang="en-US" dirty="0" err="1" smtClean="0"/>
+              <a:t>chỉ</a:t>
+            </a:r>
+            <a:r>
+              <a:rPr lang="en-US" dirty="0" smtClean="0"/>
+              <a:t> </a:t>
+            </a:r>
+            <a:r>
+              <a:rPr lang="en-US" dirty="0" err="1" smtClean="0"/>
+              <a:t>cần</a:t>
+            </a:r>
+            <a:r>
+              <a:rPr lang="en-US" dirty="0" smtClean="0"/>
+              <a:t> </a:t>
+            </a:r>
+            <a:r>
+              <a:rPr lang="en-US" dirty="0" err="1" smtClean="0"/>
+              <a:t>nhấn</a:t>
+            </a:r>
+            <a:r>
+              <a:rPr lang="en-US" dirty="0" smtClean="0"/>
+              <a:t> </a:t>
+            </a:r>
+            <a:r>
+              <a:rPr lang="en-US" dirty="0" err="1" smtClean="0"/>
+              <a:t>tổ</a:t>
+            </a:r>
+            <a:r>
+              <a:rPr lang="en-US" dirty="0" smtClean="0"/>
+              <a:t> </a:t>
+            </a:r>
+            <a:r>
+              <a:rPr lang="en-US" dirty="0" err="1" smtClean="0"/>
+              <a:t>hợp</a:t>
+            </a:r>
+            <a:r>
+              <a:rPr lang="en-US" dirty="0" smtClean="0"/>
+              <a:t> </a:t>
+            </a:r>
+            <a:r>
+              <a:rPr lang="en-US" dirty="0" err="1" smtClean="0"/>
+              <a:t>phím</a:t>
+            </a:r>
+            <a:r>
+              <a:rPr lang="en-US" dirty="0" smtClean="0"/>
+              <a:t> “ Shift +1” + Tab </a:t>
+            </a:r>
+            <a:endParaRPr lang="en-US" dirty="0"/>
+          </a:p>
+        </p:txBody>
+      </p:sp>
+      <p:pic>
+        <p:nvPicPr>
+          <p:cNvPr id="5" name="Picture 4"/>
+          <p:cNvPicPr>
+            <a:picLocks noChangeAspect="1"/>
+          </p:cNvPicPr>
+          <p:nvPr/>
+        </p:nvPicPr>
+        <p:blipFill>
+          <a:blip r:embed="rId2"/>
+          <a:stretch>
+            <a:fillRect/>
+          </a:stretch>
+        </p:blipFill>
+        <p:spPr>
+          <a:xfrm>
+            <a:off x="78662" y="1626088"/>
+            <a:ext cx="4836238" cy="2011729"/>
+          </a:xfrm>
+          <a:prstGeom prst="rect">
+            <a:avLst/>
+          </a:prstGeom>
+        </p:spPr>
+      </p:pic>
+      <p:pic>
+        <p:nvPicPr>
+          <p:cNvPr id="6" name="Picture 5"/>
+          <p:cNvPicPr>
+            <a:picLocks noChangeAspect="1"/>
+          </p:cNvPicPr>
+          <p:nvPr/>
+        </p:nvPicPr>
+        <p:blipFill>
+          <a:blip r:embed="rId3"/>
+          <a:stretch>
+            <a:fillRect/>
+          </a:stretch>
+        </p:blipFill>
+        <p:spPr>
+          <a:xfrm>
+            <a:off x="78662" y="3912577"/>
+            <a:ext cx="9346692" cy="2945423"/>
+          </a:xfrm>
+          <a:prstGeom prst="rect">
+            <a:avLst/>
+          </a:prstGeom>
+        </p:spPr>
+      </p:pic>
+      <p:sp>
+        <p:nvSpPr>
+          <p:cNvPr id="7" name="TextBox 6"/>
+          <p:cNvSpPr txBox="1"/>
+          <p:nvPr/>
+        </p:nvSpPr>
+        <p:spPr>
+          <a:xfrm>
+            <a:off x="8132885" y="3268485"/>
+            <a:ext cx="3552093" cy="369332"/>
+          </a:xfrm>
+          <a:prstGeom prst="rect">
+            <a:avLst/>
+          </a:prstGeom>
+          <a:noFill/>
+        </p:spPr>
+        <p:txBody>
+          <a:bodyPr wrap="square" rtlCol="0">
+            <a:spAutoFit/>
+          </a:bodyPr>
+          <a:lstStyle/>
+          <a:p>
+            <a:r>
+              <a:rPr lang="en-US" dirty="0" err="1" smtClean="0"/>
+              <a:t>Cấu</a:t>
+            </a:r>
+            <a:r>
+              <a:rPr lang="en-US" dirty="0" smtClean="0"/>
+              <a:t> </a:t>
+            </a:r>
+            <a:r>
+              <a:rPr lang="en-US" dirty="0" err="1" smtClean="0"/>
+              <a:t>trúc</a:t>
+            </a:r>
+            <a:r>
+              <a:rPr lang="en-US" dirty="0" smtClean="0"/>
+              <a:t> </a:t>
+            </a:r>
+            <a:r>
+              <a:rPr lang="en-US" dirty="0" err="1" smtClean="0"/>
+              <a:t>tiêu</a:t>
+            </a:r>
+            <a:r>
+              <a:rPr lang="en-US" dirty="0" smtClean="0"/>
+              <a:t> </a:t>
+            </a:r>
+            <a:r>
+              <a:rPr lang="en-US" dirty="0" err="1" smtClean="0"/>
+              <a:t>chuẩn</a:t>
+            </a:r>
+            <a:r>
+              <a:rPr lang="en-US" dirty="0" smtClean="0"/>
+              <a:t> </a:t>
+            </a:r>
+            <a:r>
+              <a:rPr lang="en-US" dirty="0" err="1" smtClean="0"/>
+              <a:t>của</a:t>
+            </a:r>
+            <a:r>
+              <a:rPr lang="en-US" dirty="0" smtClean="0"/>
+              <a:t> 1 File HTML</a:t>
+            </a:r>
+            <a:endParaRPr lang="en-US" dirty="0"/>
           </a:p>
         </p:txBody>
       </p:sp>
     </p:spTree>
     <p:extLst>
       <p:ext uri="{BB962C8B-B14F-4D97-AF65-F5344CB8AC3E}">
-        <p14:creationId xmlns:p14="http://schemas.microsoft.com/office/powerpoint/2010/main" val="3287954875"/>
+        <p14:creationId xmlns:p14="http://schemas.microsoft.com/office/powerpoint/2010/main" val="2842705564"/>
       </p:ext>
     </p:extLst>
   </p:cSld>
@@ -3808,7 +4214,7 @@
           <p:cNvPr id="2" name="Title 1">
             <a:extLst>
               <a:ext uri="{FF2B5EF4-FFF2-40B4-BE49-F238E27FC236}">
-                <a16:creationId xmlns:a16="http://schemas.microsoft.com/office/drawing/2014/main" id="{37C61854-EB2F-4BD0-8E76-922D9E7DDDBC}"/>
+                <a16:creationId xmlns:a16="http://schemas.microsoft.com/office/drawing/2014/main" id="{3462238A-1B26-4E81-B203-B7BF4E6801EC}"/>
               </a:ext>
             </a:extLst>
           </p:cNvPr>
@@ -3819,44 +4225,146 @@
             <p:ph type="title"/>
           </p:nvPr>
         </p:nvSpPr>
-        <p:spPr/>
-        <p:txBody>
-          <a:bodyPr/>
-          <a:lstStyle/>
-          <a:p>
-            <a:endParaRPr lang="en-US"/>
-          </a:p>
-        </p:txBody>
-      </p:sp>
-      <p:sp>
-        <p:nvSpPr>
-          <p:cNvPr id="3" name="Content Placeholder 2">
-            <a:extLst>
-              <a:ext uri="{FF2B5EF4-FFF2-40B4-BE49-F238E27FC236}">
-                <a16:creationId xmlns:a16="http://schemas.microsoft.com/office/drawing/2014/main" id="{52382DDD-6DA9-4B71-BDEB-FB232A2E4F07}"/>
-              </a:ext>
-            </a:extLst>
-          </p:cNvPr>
-          <p:cNvSpPr>
-            <a:spLocks noGrp="1"/>
-          </p:cNvSpPr>
+        <p:spPr>
+          <a:xfrm>
+            <a:off x="0" y="0"/>
+            <a:ext cx="11353800" cy="795460"/>
+          </a:xfrm>
+        </p:spPr>
+        <p:txBody>
+          <a:bodyPr/>
+          <a:lstStyle/>
+          <a:p>
+            <a:r>
+              <a:rPr lang="en-US" dirty="0" err="1" smtClean="0"/>
+              <a:t>Cài</a:t>
+            </a:r>
+            <a:r>
+              <a:rPr lang="en-US" dirty="0" smtClean="0"/>
+              <a:t> </a:t>
+            </a:r>
+            <a:r>
+              <a:rPr lang="en-US" dirty="0" err="1" smtClean="0"/>
+              <a:t>đặt</a:t>
+            </a:r>
+            <a:r>
+              <a:rPr lang="en-US" dirty="0" smtClean="0"/>
+              <a:t> </a:t>
+            </a:r>
+            <a:r>
+              <a:rPr lang="en-US" dirty="0" err="1" smtClean="0"/>
+              <a:t>tiện</a:t>
+            </a:r>
+            <a:r>
+              <a:rPr lang="en-US" dirty="0" smtClean="0"/>
+              <a:t> </a:t>
+            </a:r>
+            <a:r>
+              <a:rPr lang="en-US" dirty="0" err="1" smtClean="0"/>
+              <a:t>ích</a:t>
+            </a:r>
+            <a:r>
+              <a:rPr lang="en-US" dirty="0" smtClean="0"/>
+              <a:t> </a:t>
+            </a:r>
+            <a:r>
+              <a:rPr lang="en-US" dirty="0" err="1" smtClean="0"/>
+              <a:t>mở</a:t>
+            </a:r>
+            <a:r>
+              <a:rPr lang="en-US" dirty="0" smtClean="0"/>
+              <a:t> </a:t>
+            </a:r>
+            <a:r>
+              <a:rPr lang="en-US" dirty="0" err="1" smtClean="0"/>
+              <a:t>rộng</a:t>
+            </a:r>
+            <a:r>
+              <a:rPr lang="en-US" dirty="0" smtClean="0"/>
+              <a:t> </a:t>
+            </a:r>
+            <a:r>
+              <a:rPr lang="en-US" dirty="0" err="1" smtClean="0"/>
+              <a:t>để</a:t>
+            </a:r>
+            <a:r>
+              <a:rPr lang="en-US" dirty="0" smtClean="0"/>
+              <a:t> </a:t>
+            </a:r>
+            <a:r>
+              <a:rPr lang="en-US" dirty="0" err="1" smtClean="0"/>
+              <a:t>hỗ</a:t>
+            </a:r>
+            <a:r>
+              <a:rPr lang="en-US" dirty="0" smtClean="0"/>
+              <a:t> </a:t>
+            </a:r>
+            <a:r>
+              <a:rPr lang="en-US" dirty="0" err="1" smtClean="0"/>
+              <a:t>trợ</a:t>
+            </a:r>
+            <a:r>
+              <a:rPr lang="en-US" dirty="0" smtClean="0"/>
+              <a:t> Code.</a:t>
+            </a:r>
+            <a:endParaRPr lang="en-US" dirty="0"/>
+          </a:p>
+        </p:txBody>
+      </p:sp>
+      <p:pic>
+        <p:nvPicPr>
+          <p:cNvPr id="4" name="Content Placeholder 3"/>
+          <p:cNvPicPr>
+            <a:picLocks noGrp="1" noChangeAspect="1"/>
+          </p:cNvPicPr>
           <p:nvPr>
             <p:ph idx="1"/>
           </p:nvPr>
-        </p:nvSpPr>
-        <p:spPr/>
-        <p:txBody>
-          <a:bodyPr/>
-          <a:lstStyle/>
-          <a:p>
-            <a:endParaRPr lang="en-US"/>
-          </a:p>
-        </p:txBody>
-      </p:sp>
+        </p:nvPicPr>
+        <p:blipFill>
+          <a:blip r:embed="rId2"/>
+          <a:stretch>
+            <a:fillRect/>
+          </a:stretch>
+        </p:blipFill>
+        <p:spPr>
+          <a:xfrm>
+            <a:off x="287740" y="997704"/>
+            <a:ext cx="8284760" cy="581106"/>
+          </a:xfrm>
+          <a:prstGeom prst="rect">
+            <a:avLst/>
+          </a:prstGeom>
+        </p:spPr>
+      </p:pic>
+      <p:pic>
+        <p:nvPicPr>
+          <p:cNvPr id="5" name="Picture 4"/>
+          <p:cNvPicPr>
+            <a:picLocks noChangeAspect="1"/>
+          </p:cNvPicPr>
+          <p:nvPr/>
+        </p:nvPicPr>
+        <p:blipFill>
+          <a:blip r:embed="rId3"/>
+          <a:stretch>
+            <a:fillRect/>
+          </a:stretch>
+        </p:blipFill>
+        <p:spPr>
+          <a:xfrm>
+            <a:off x="287740" y="1921710"/>
+            <a:ext cx="7687748" cy="4317509"/>
+          </a:xfrm>
+          <a:prstGeom prst="rect">
+            <a:avLst/>
+          </a:prstGeom>
+        </p:spPr>
+      </p:pic>
     </p:spTree>
     <p:extLst>
       <p:ext uri="{BB962C8B-B14F-4D97-AF65-F5344CB8AC3E}">
-        <p14:creationId xmlns:p14="http://schemas.microsoft.com/office/powerpoint/2010/main" val="2093996021"/>
+        <p14:creationId xmlns:p14="http://schemas.microsoft.com/office/powerpoint/2010/main" val="3287954875"/>
       </p:ext>
     </p:extLst>
   </p:cSld>
@@ -3883,60 +4391,34 @@
           <a:chExt cx="0" cy="0"/>
         </a:xfrm>
       </p:grpSpPr>
-      <p:sp>
-        <p:nvSpPr>
-          <p:cNvPr id="2" name="Title 1">
-            <a:extLst>
-              <a:ext uri="{FF2B5EF4-FFF2-40B4-BE49-F238E27FC236}">
-                <a16:creationId xmlns:a16="http://schemas.microsoft.com/office/drawing/2014/main" id="{AFB796D0-C18C-4208-8480-2A5793C1441A}"/>
-              </a:ext>
-            </a:extLst>
-          </p:cNvPr>
-          <p:cNvSpPr>
-            <a:spLocks noGrp="1"/>
-          </p:cNvSpPr>
-          <p:nvPr>
-            <p:ph type="title"/>
-          </p:nvPr>
-        </p:nvSpPr>
-        <p:spPr/>
-        <p:txBody>
-          <a:bodyPr/>
-          <a:lstStyle/>
-          <a:p>
-            <a:endParaRPr lang="en-US"/>
-          </a:p>
-        </p:txBody>
-      </p:sp>
-      <p:sp>
-        <p:nvSpPr>
-          <p:cNvPr id="3" name="Content Placeholder 2">
-            <a:extLst>
-              <a:ext uri="{FF2B5EF4-FFF2-40B4-BE49-F238E27FC236}">
-                <a16:creationId xmlns:a16="http://schemas.microsoft.com/office/drawing/2014/main" id="{BB2618C6-7C43-40D1-BCE9-1E3576C1367A}"/>
-              </a:ext>
-            </a:extLst>
-          </p:cNvPr>
-          <p:cNvSpPr>
-            <a:spLocks noGrp="1"/>
-          </p:cNvSpPr>
-          <p:nvPr>
-            <p:ph idx="1"/>
-          </p:nvPr>
-        </p:nvSpPr>
-        <p:spPr/>
-        <p:txBody>
-          <a:bodyPr/>
-          <a:lstStyle/>
-          <a:p>
-            <a:endParaRPr lang="en-US"/>
-          </a:p>
-        </p:txBody>
-      </p:sp>
+      <p:pic>
+        <p:nvPicPr>
+          <p:cNvPr id="4" name="Picture 3"/>
+          <p:cNvPicPr>
+            <a:picLocks noChangeAspect="1"/>
+          </p:cNvPicPr>
+          <p:nvPr/>
+        </p:nvPicPr>
+        <p:blipFill>
+          <a:blip r:embed="rId2"/>
+          <a:stretch>
+            <a:fillRect/>
+          </a:stretch>
+        </p:blipFill>
+        <p:spPr>
+          <a:xfrm>
+            <a:off x="439984" y="386862"/>
+            <a:ext cx="10145955" cy="5920238"/>
+          </a:xfrm>
+          <a:prstGeom prst="rect">
+            <a:avLst/>
+          </a:prstGeom>
+        </p:spPr>
+      </p:pic>
     </p:spTree>
     <p:extLst>
       <p:ext uri="{BB962C8B-B14F-4D97-AF65-F5344CB8AC3E}">
-        <p14:creationId xmlns:p14="http://schemas.microsoft.com/office/powerpoint/2010/main" val="18450778"/>
+        <p14:creationId xmlns:p14="http://schemas.microsoft.com/office/powerpoint/2010/main" val="2093996021"/>
       </p:ext>
     </p:extLst>
   </p:cSld>
@@ -3968,7 +4450,7 @@
           <p:cNvPr id="2" name="Title 1">
             <a:extLst>
               <a:ext uri="{FF2B5EF4-FFF2-40B4-BE49-F238E27FC236}">
-                <a16:creationId xmlns:a16="http://schemas.microsoft.com/office/drawing/2014/main" id="{B6F1E61C-61AC-4BFF-B765-B1BC7F39544B}"/>
+                <a16:creationId xmlns:a16="http://schemas.microsoft.com/office/drawing/2014/main" id="{AFB796D0-C18C-4208-8480-2A5793C1441A}"/>
               </a:ext>
             </a:extLst>
           </p:cNvPr>
@@ -3993,7 +4475,7 @@
           <p:cNvPr id="3" name="Content Placeholder 2">
             <a:extLst>
               <a:ext uri="{FF2B5EF4-FFF2-40B4-BE49-F238E27FC236}">
-                <a16:creationId xmlns:a16="http://schemas.microsoft.com/office/drawing/2014/main" id="{C7D00889-052C-4297-A542-FE609B4C8F22}"/>
+                <a16:creationId xmlns:a16="http://schemas.microsoft.com/office/drawing/2014/main" id="{BB2618C6-7C43-40D1-BCE9-1E3576C1367A}"/>
               </a:ext>
             </a:extLst>
           </p:cNvPr>
@@ -4016,7 +4498,7 @@
     </p:spTree>
     <p:extLst>
       <p:ext uri="{BB962C8B-B14F-4D97-AF65-F5344CB8AC3E}">
-        <p14:creationId xmlns:p14="http://schemas.microsoft.com/office/powerpoint/2010/main" val="1361272325"/>
+        <p14:creationId xmlns:p14="http://schemas.microsoft.com/office/powerpoint/2010/main" val="18450778"/>
       </p:ext>
     </p:extLst>
   </p:cSld>
@@ -4048,7 +4530,7 @@
           <p:cNvPr id="2" name="Title 1">
             <a:extLst>
               <a:ext uri="{FF2B5EF4-FFF2-40B4-BE49-F238E27FC236}">
-                <a16:creationId xmlns:a16="http://schemas.microsoft.com/office/drawing/2014/main" id="{715BDC80-5005-406E-BA40-AC9189D5B066}"/>
+                <a16:creationId xmlns:a16="http://schemas.microsoft.com/office/drawing/2014/main" id="{B6F1E61C-61AC-4BFF-B765-B1BC7F39544B}"/>
               </a:ext>
             </a:extLst>
           </p:cNvPr>
@@ -4073,7 +4555,7 @@
           <p:cNvPr id="3" name="Content Placeholder 2">
             <a:extLst>
               <a:ext uri="{FF2B5EF4-FFF2-40B4-BE49-F238E27FC236}">
-                <a16:creationId xmlns:a16="http://schemas.microsoft.com/office/drawing/2014/main" id="{A9182CF0-4BF3-464A-8719-4901DD816E44}"/>
+                <a16:creationId xmlns:a16="http://schemas.microsoft.com/office/drawing/2014/main" id="{C7D00889-052C-4297-A542-FE609B4C8F22}"/>
               </a:ext>
             </a:extLst>
           </p:cNvPr>
@@ -4096,7 +4578,7 @@
     </p:spTree>
     <p:extLst>
       <p:ext uri="{BB962C8B-B14F-4D97-AF65-F5344CB8AC3E}">
-        <p14:creationId xmlns:p14="http://schemas.microsoft.com/office/powerpoint/2010/main" val="2006432539"/>
+        <p14:creationId xmlns:p14="http://schemas.microsoft.com/office/powerpoint/2010/main" val="1361272325"/>
       </p:ext>
     </p:extLst>
   </p:cSld>
@@ -4128,7 +4610,7 @@
           <p:cNvPr id="2" name="Title 1">
             <a:extLst>
               <a:ext uri="{FF2B5EF4-FFF2-40B4-BE49-F238E27FC236}">
-                <a16:creationId xmlns:a16="http://schemas.microsoft.com/office/drawing/2014/main" id="{3DD2BA54-4112-4914-BF7F-E81083AC638D}"/>
+                <a16:creationId xmlns:a16="http://schemas.microsoft.com/office/drawing/2014/main" id="{715BDC80-5005-406E-BA40-AC9189D5B066}"/>
               </a:ext>
             </a:extLst>
           </p:cNvPr>
@@ -4153,7 +4635,7 @@
           <p:cNvPr id="3" name="Content Placeholder 2">
             <a:extLst>
               <a:ext uri="{FF2B5EF4-FFF2-40B4-BE49-F238E27FC236}">
-                <a16:creationId xmlns:a16="http://schemas.microsoft.com/office/drawing/2014/main" id="{A5F4F61A-244E-428B-8CF8-E55B30062E4F}"/>
+                <a16:creationId xmlns:a16="http://schemas.microsoft.com/office/drawing/2014/main" id="{A9182CF0-4BF3-464A-8719-4901DD816E44}"/>
               </a:ext>
             </a:extLst>
           </p:cNvPr>
@@ -4176,7 +4658,7 @@
     </p:spTree>
     <p:extLst>
       <p:ext uri="{BB962C8B-B14F-4D97-AF65-F5344CB8AC3E}">
-        <p14:creationId xmlns:p14="http://schemas.microsoft.com/office/powerpoint/2010/main" val="1313020762"/>
+        <p14:creationId xmlns:p14="http://schemas.microsoft.com/office/powerpoint/2010/main" val="2006432539"/>
       </p:ext>
     </p:extLst>
   </p:cSld>
